--- a/document_29-tab-selector.pptx
+++ b/document_29-tab-selector.pptx
@@ -215,7 +215,7 @@
           <a:p>
             <a:fld id="{749F7025-33D9-4E9F-9955-A14222A03D05}" type="datetimeFigureOut">
               <a:rPr lang="en-US" smtClean="0"/>
-              <a:t>2/29/2016</a:t>
+              <a:t>7/24/2016</a:t>
             </a:fld>
             <a:endParaRPr lang="en-US"/>
           </a:p>
@@ -745,7 +745,7 @@
           <a:p>
             <a:fld id="{1ADF62C2-72EA-4953-A1D6-568F980002B8}" type="datetimeFigureOut">
               <a:rPr lang="en-US" smtClean="0"/>
-              <a:t>2/29/2016</a:t>
+              <a:t>7/24/2016</a:t>
             </a:fld>
             <a:endParaRPr lang="en-US"/>
           </a:p>
@@ -913,7 +913,7 @@
           <a:p>
             <a:fld id="{1ADF62C2-72EA-4953-A1D6-568F980002B8}" type="datetimeFigureOut">
               <a:rPr lang="en-US" smtClean="0"/>
-              <a:t>2/29/2016</a:t>
+              <a:t>7/24/2016</a:t>
             </a:fld>
             <a:endParaRPr lang="en-US"/>
           </a:p>
@@ -1091,7 +1091,7 @@
           <a:p>
             <a:fld id="{1ADF62C2-72EA-4953-A1D6-568F980002B8}" type="datetimeFigureOut">
               <a:rPr lang="en-US" smtClean="0"/>
-              <a:t>2/29/2016</a:t>
+              <a:t>7/24/2016</a:t>
             </a:fld>
             <a:endParaRPr lang="en-US"/>
           </a:p>
@@ -1717,7 +1717,7 @@
           <a:p>
             <a:fld id="{1ADF62C2-72EA-4953-A1D6-568F980002B8}" type="datetimeFigureOut">
               <a:rPr lang="en-US" smtClean="0"/>
-              <a:t>2/29/2016</a:t>
+              <a:t>7/24/2016</a:t>
             </a:fld>
             <a:endParaRPr lang="en-US"/>
           </a:p>
@@ -2002,7 +2002,7 @@
           <a:p>
             <a:fld id="{1ADF62C2-72EA-4953-A1D6-568F980002B8}" type="datetimeFigureOut">
               <a:rPr lang="en-US" smtClean="0"/>
-              <a:t>2/29/2016</a:t>
+              <a:t>7/24/2016</a:t>
             </a:fld>
             <a:endParaRPr lang="en-US"/>
           </a:p>
@@ -2421,7 +2421,7 @@
           <a:p>
             <a:fld id="{1ADF62C2-72EA-4953-A1D6-568F980002B8}" type="datetimeFigureOut">
               <a:rPr lang="en-US" smtClean="0"/>
-              <a:t>2/29/2016</a:t>
+              <a:t>7/24/2016</a:t>
             </a:fld>
             <a:endParaRPr lang="en-US"/>
           </a:p>
@@ -2538,7 +2538,7 @@
           <a:p>
             <a:fld id="{1ADF62C2-72EA-4953-A1D6-568F980002B8}" type="datetimeFigureOut">
               <a:rPr lang="en-US" smtClean="0"/>
-              <a:t>2/29/2016</a:t>
+              <a:t>7/24/2016</a:t>
             </a:fld>
             <a:endParaRPr lang="en-US"/>
           </a:p>
@@ -2633,7 +2633,7 @@
           <a:p>
             <a:fld id="{1ADF62C2-72EA-4953-A1D6-568F980002B8}" type="datetimeFigureOut">
               <a:rPr lang="en-US" smtClean="0"/>
-              <a:t>2/29/2016</a:t>
+              <a:t>7/24/2016</a:t>
             </a:fld>
             <a:endParaRPr lang="en-US"/>
           </a:p>
@@ -2908,7 +2908,7 @@
           <a:p>
             <a:fld id="{1ADF62C2-72EA-4953-A1D6-568F980002B8}" type="datetimeFigureOut">
               <a:rPr lang="en-US" smtClean="0"/>
-              <a:t>2/29/2016</a:t>
+              <a:t>7/24/2016</a:t>
             </a:fld>
             <a:endParaRPr lang="en-US"/>
           </a:p>
@@ -3160,7 +3160,7 @@
           <a:p>
             <a:fld id="{1ADF62C2-72EA-4953-A1D6-568F980002B8}" type="datetimeFigureOut">
               <a:rPr lang="en-US" smtClean="0"/>
-              <a:t>2/29/2016</a:t>
+              <a:t>7/24/2016</a:t>
             </a:fld>
             <a:endParaRPr lang="en-US"/>
           </a:p>
@@ -3371,7 +3371,7 @@
           <a:p>
             <a:fld id="{1ADF62C2-72EA-4953-A1D6-568F980002B8}" type="datetimeFigureOut">
               <a:rPr lang="en-US" smtClean="0"/>
-              <a:t>2/29/2016</a:t>
+              <a:t>7/24/2016</a:t>
             </a:fld>
             <a:endParaRPr lang="en-US"/>
           </a:p>
@@ -3966,6 +3966,100 @@
           </a:p>
         </p:txBody>
       </p:sp>
+      <p:grpSp>
+        <p:nvGrpSpPr>
+          <p:cNvPr id="5" name="Nhóm 4"/>
+          <p:cNvGrpSpPr/>
+          <p:nvPr/>
+        </p:nvGrpSpPr>
+        <p:grpSpPr>
+          <a:xfrm>
+            <a:off x="3780859" y="4419600"/>
+            <a:ext cx="1163780" cy="690321"/>
+            <a:chOff x="3780859" y="4419600"/>
+            <a:chExt cx="1163780" cy="690321"/>
+          </a:xfrm>
+        </p:grpSpPr>
+        <p:pic>
+          <p:nvPicPr>
+            <p:cNvPr id="4" name="Ảnh 3" descr="C:\Users\thaihoc\Desktop\plus.png"/>
+            <p:cNvPicPr/>
+            <p:nvPr/>
+          </p:nvPicPr>
+          <p:blipFill>
+            <a:blip r:embed="rId3">
+              <a:extLst>
+                <a:ext uri="{28A0092B-C50C-407E-A947-70E740481C1C}">
+                  <a14:useLocalDpi xmlns:a14="http://schemas.microsoft.com/office/drawing/2010/main" val="0"/>
+                </a:ext>
+              </a:extLst>
+            </a:blip>
+            <a:srcRect/>
+            <a:stretch>
+              <a:fillRect/>
+            </a:stretch>
+          </p:blipFill>
+          <p:spPr bwMode="auto">
+            <a:xfrm>
+              <a:off x="4211937" y="4419600"/>
+              <a:ext cx="301625" cy="301625"/>
+            </a:xfrm>
+            <a:prstGeom prst="rect">
+              <a:avLst/>
+            </a:prstGeom>
+            <a:noFill/>
+            <a:ln>
+              <a:noFill/>
+            </a:ln>
+          </p:spPr>
+        </p:pic>
+        <p:sp>
+          <p:nvSpPr>
+            <p:cNvPr id="3" name="Hình chữ nhật 2"/>
+            <p:cNvSpPr/>
+            <p:nvPr/>
+          </p:nvSpPr>
+          <p:spPr>
+            <a:xfrm>
+              <a:off x="3780859" y="4721225"/>
+              <a:ext cx="1163780" cy="388696"/>
+            </a:xfrm>
+            <a:prstGeom prst="rect">
+              <a:avLst/>
+            </a:prstGeom>
+          </p:spPr>
+          <p:txBody>
+            <a:bodyPr wrap="none">
+              <a:spAutoFit/>
+            </a:bodyPr>
+            <a:lstStyle/>
+            <a:p>
+              <a:pPr>
+                <a:lnSpc>
+                  <a:spcPct val="107000"/>
+                </a:lnSpc>
+                <a:spcAft>
+                  <a:spcPts val="800"/>
+                </a:spcAft>
+              </a:pPr>
+              <a:r>
+                <a:rPr lang="en-US">
+                  <a:latin typeface="Calibri" panose="020F0502020204030204" pitchFamily="34" charset="0"/>
+                  <a:ea typeface="Calibri" panose="020F0502020204030204" pitchFamily="34" charset="0"/>
+                  <a:cs typeface="Times New Roman" panose="02020603050405020304" pitchFamily="18" charset="0"/>
+                </a:rPr>
+                <a:t>Phép cộng</a:t>
+              </a:r>
+              <a:endParaRPr lang="en-US">
+                <a:effectLst/>
+                <a:latin typeface="Calibri" panose="020F0502020204030204" pitchFamily="34" charset="0"/>
+                <a:ea typeface="Calibri" panose="020F0502020204030204" pitchFamily="34" charset="0"/>
+                <a:cs typeface="Times New Roman" panose="02020603050405020304" pitchFamily="18" charset="0"/>
+              </a:endParaRPr>
+            </a:p>
+          </p:txBody>
+        </p:sp>
+      </p:grpSp>
     </p:spTree>
     <p:extLst>
       <p:ext uri="{BB962C8B-B14F-4D97-AF65-F5344CB8AC3E}">
@@ -6058,7 +6152,6 @@
                 <a:rPr lang="en-US" sz="1200"/>
                 <a:t>Phép cộng</a:t>
               </a:r>
-              <a:endParaRPr lang="en-US" sz="1200"/>
             </a:p>
           </p:txBody>
         </p:sp>
@@ -6144,7 +6237,6 @@
                 <a:rPr lang="en-US" sz="1200"/>
                 <a:t>Lịch sử</a:t>
               </a:r>
-              <a:endParaRPr lang="en-US" sz="1200"/>
             </a:p>
           </p:txBody>
         </p:sp>
